--- a/ppt 16-9/0284.聚会大意.pptx
+++ b/ppt 16-9/0284.聚会大意.pptx
@@ -5,7 +5,7 @@
     <p:sldMasterId id="2147483648" r:id="rId1"/>
   </p:sldMasterIdLst>
   <p:sldIdLst>
-    <p:sldId id="3151" r:id="rId2"/>
+    <p:sldId id="3152" r:id="rId2"/>
   </p:sldIdLst>
   <p:sldSz cx="12192000" cy="6858000"/>
   <p:notesSz cx="6858000" cy="9144000"/>
@@ -129,7 +129,7 @@
           <p:cNvPr id="2" name="标题 1">
             <a:extLst>
               <a:ext uri="{FF2B5EF4-FFF2-40B4-BE49-F238E27FC236}">
-                <a16:creationId xmlns:a16="http://schemas.microsoft.com/office/drawing/2014/main" id="{0BE8DF48-2BB0-F9C2-250C-3BCBA971DA2D}"/>
+                <a16:creationId xmlns:a16="http://schemas.microsoft.com/office/drawing/2014/main" id="{18B374FF-04DF-6256-6127-8BDB8EB5E1B5}"/>
               </a:ext>
             </a:extLst>
           </p:cNvPr>
@@ -166,7 +166,7 @@
           <p:cNvPr id="3" name="副标题 2">
             <a:extLst>
               <a:ext uri="{FF2B5EF4-FFF2-40B4-BE49-F238E27FC236}">
-                <a16:creationId xmlns:a16="http://schemas.microsoft.com/office/drawing/2014/main" id="{5D91E0A6-7EC9-DD12-C17B-8F02F3B6ED8C}"/>
+                <a16:creationId xmlns:a16="http://schemas.microsoft.com/office/drawing/2014/main" id="{9F78C814-4F1C-494E-5465-646616D1ACA3}"/>
               </a:ext>
             </a:extLst>
           </p:cNvPr>
@@ -236,7 +236,7 @@
           <p:cNvPr id="4" name="日期占位符 3">
             <a:extLst>
               <a:ext uri="{FF2B5EF4-FFF2-40B4-BE49-F238E27FC236}">
-                <a16:creationId xmlns:a16="http://schemas.microsoft.com/office/drawing/2014/main" id="{E24D1809-5C10-826A-3977-2E085E09B91B}"/>
+                <a16:creationId xmlns:a16="http://schemas.microsoft.com/office/drawing/2014/main" id="{9ECE6308-450F-1070-3C05-9358FD880190}"/>
               </a:ext>
             </a:extLst>
           </p:cNvPr>
@@ -252,7 +252,7 @@
           <a:bodyPr/>
           <a:lstStyle/>
           <a:p>
-            <a:fld id="{FA0DA4AF-6F81-42B5-AFFD-2C0CEAA6F579}" type="datetimeFigureOut">
+            <a:fld id="{E18E29B9-F6E3-4DD6-A592-CE200468536B}" type="datetimeFigureOut">
               <a:rPr lang="zh-CN" altLang="en-US" smtClean="0"/>
               <a:t>2024/3/10</a:t>
             </a:fld>
@@ -265,7 +265,7 @@
           <p:cNvPr id="5" name="页脚占位符 4">
             <a:extLst>
               <a:ext uri="{FF2B5EF4-FFF2-40B4-BE49-F238E27FC236}">
-                <a16:creationId xmlns:a16="http://schemas.microsoft.com/office/drawing/2014/main" id="{DF2E5441-9FC4-453D-F720-91F5D111413C}"/>
+                <a16:creationId xmlns:a16="http://schemas.microsoft.com/office/drawing/2014/main" id="{BCF009DA-F09B-8BBA-38B6-5651DA842960}"/>
               </a:ext>
             </a:extLst>
           </p:cNvPr>
@@ -290,7 +290,7 @@
           <p:cNvPr id="6" name="灯片编号占位符 5">
             <a:extLst>
               <a:ext uri="{FF2B5EF4-FFF2-40B4-BE49-F238E27FC236}">
-                <a16:creationId xmlns:a16="http://schemas.microsoft.com/office/drawing/2014/main" id="{F0EBABF0-DDC9-56B3-F0B1-ED2CB43CA80A}"/>
+                <a16:creationId xmlns:a16="http://schemas.microsoft.com/office/drawing/2014/main" id="{1854A781-3101-391E-1645-C2A3ACAEB718}"/>
               </a:ext>
             </a:extLst>
           </p:cNvPr>
@@ -306,7 +306,7 @@
           <a:bodyPr/>
           <a:lstStyle/>
           <a:p>
-            <a:fld id="{DBFF458D-3A2B-460B-95D2-6213DDC09227}" type="slidenum">
+            <a:fld id="{11147750-1E3C-4E96-9FFD-8BAD0DAFA4A2}" type="slidenum">
               <a:rPr lang="zh-CN" altLang="en-US" smtClean="0"/>
               <a:t>‹#›</a:t>
             </a:fld>
@@ -317,7 +317,7 @@
     </p:spTree>
     <p:extLst>
       <p:ext uri="{BB962C8B-B14F-4D97-AF65-F5344CB8AC3E}">
-        <p14:creationId xmlns:p14="http://schemas.microsoft.com/office/powerpoint/2010/main" val="3671795562"/>
+        <p14:creationId xmlns:p14="http://schemas.microsoft.com/office/powerpoint/2010/main" val="1032200013"/>
       </p:ext>
     </p:extLst>
   </p:cSld>
@@ -349,7 +349,7 @@
           <p:cNvPr id="2" name="标题 1">
             <a:extLst>
               <a:ext uri="{FF2B5EF4-FFF2-40B4-BE49-F238E27FC236}">
-                <a16:creationId xmlns:a16="http://schemas.microsoft.com/office/drawing/2014/main" id="{B63BC349-35C4-F3C4-D6CC-E4A5AAE62180}"/>
+                <a16:creationId xmlns:a16="http://schemas.microsoft.com/office/drawing/2014/main" id="{E7C99DDF-0A83-2553-6BC5-FE72F9EB0DF3}"/>
               </a:ext>
             </a:extLst>
           </p:cNvPr>
@@ -377,7 +377,7 @@
           <p:cNvPr id="3" name="竖排文字占位符 2">
             <a:extLst>
               <a:ext uri="{FF2B5EF4-FFF2-40B4-BE49-F238E27FC236}">
-                <a16:creationId xmlns:a16="http://schemas.microsoft.com/office/drawing/2014/main" id="{DE573BF1-4F0D-85A5-0231-3D503A636186}"/>
+                <a16:creationId xmlns:a16="http://schemas.microsoft.com/office/drawing/2014/main" id="{2107676C-1135-3A46-7DD2-E11EF584D7A2}"/>
               </a:ext>
             </a:extLst>
           </p:cNvPr>
@@ -434,7 +434,7 @@
           <p:cNvPr id="4" name="日期占位符 3">
             <a:extLst>
               <a:ext uri="{FF2B5EF4-FFF2-40B4-BE49-F238E27FC236}">
-                <a16:creationId xmlns:a16="http://schemas.microsoft.com/office/drawing/2014/main" id="{178EC659-6AFE-1ACE-B2C7-950BC6CCF978}"/>
+                <a16:creationId xmlns:a16="http://schemas.microsoft.com/office/drawing/2014/main" id="{DFFE02A9-0D9B-D7D6-01C9-B0B65D5B8D60}"/>
               </a:ext>
             </a:extLst>
           </p:cNvPr>
@@ -450,7 +450,7 @@
           <a:bodyPr/>
           <a:lstStyle/>
           <a:p>
-            <a:fld id="{FA0DA4AF-6F81-42B5-AFFD-2C0CEAA6F579}" type="datetimeFigureOut">
+            <a:fld id="{E18E29B9-F6E3-4DD6-A592-CE200468536B}" type="datetimeFigureOut">
               <a:rPr lang="zh-CN" altLang="en-US" smtClean="0"/>
               <a:t>2024/3/10</a:t>
             </a:fld>
@@ -463,7 +463,7 @@
           <p:cNvPr id="5" name="页脚占位符 4">
             <a:extLst>
               <a:ext uri="{FF2B5EF4-FFF2-40B4-BE49-F238E27FC236}">
-                <a16:creationId xmlns:a16="http://schemas.microsoft.com/office/drawing/2014/main" id="{9769A9BF-B355-E1A6-DE91-7DEAAC1C1E44}"/>
+                <a16:creationId xmlns:a16="http://schemas.microsoft.com/office/drawing/2014/main" id="{DCE58565-5250-0837-C4E7-37B0F80A61D3}"/>
               </a:ext>
             </a:extLst>
           </p:cNvPr>
@@ -488,7 +488,7 @@
           <p:cNvPr id="6" name="灯片编号占位符 5">
             <a:extLst>
               <a:ext uri="{FF2B5EF4-FFF2-40B4-BE49-F238E27FC236}">
-                <a16:creationId xmlns:a16="http://schemas.microsoft.com/office/drawing/2014/main" id="{F41FDC5E-FEC5-1C5F-D7AB-7A7072366CF5}"/>
+                <a16:creationId xmlns:a16="http://schemas.microsoft.com/office/drawing/2014/main" id="{8398DCC4-A372-2C68-B44A-D806BD1B7471}"/>
               </a:ext>
             </a:extLst>
           </p:cNvPr>
@@ -504,7 +504,7 @@
           <a:bodyPr/>
           <a:lstStyle/>
           <a:p>
-            <a:fld id="{DBFF458D-3A2B-460B-95D2-6213DDC09227}" type="slidenum">
+            <a:fld id="{11147750-1E3C-4E96-9FFD-8BAD0DAFA4A2}" type="slidenum">
               <a:rPr lang="zh-CN" altLang="en-US" smtClean="0"/>
               <a:t>‹#›</a:t>
             </a:fld>
@@ -515,7 +515,7 @@
     </p:spTree>
     <p:extLst>
       <p:ext uri="{BB962C8B-B14F-4D97-AF65-F5344CB8AC3E}">
-        <p14:creationId xmlns:p14="http://schemas.microsoft.com/office/powerpoint/2010/main" val="331538238"/>
+        <p14:creationId xmlns:p14="http://schemas.microsoft.com/office/powerpoint/2010/main" val="1594819503"/>
       </p:ext>
     </p:extLst>
   </p:cSld>
@@ -547,7 +547,7 @@
           <p:cNvPr id="2" name="竖排标题 1">
             <a:extLst>
               <a:ext uri="{FF2B5EF4-FFF2-40B4-BE49-F238E27FC236}">
-                <a16:creationId xmlns:a16="http://schemas.microsoft.com/office/drawing/2014/main" id="{E2D06EE7-6C98-B371-3A47-D49BAE7D5870}"/>
+                <a16:creationId xmlns:a16="http://schemas.microsoft.com/office/drawing/2014/main" id="{678B57E8-82A4-C3EA-4168-70E473636966}"/>
               </a:ext>
             </a:extLst>
           </p:cNvPr>
@@ -580,7 +580,7 @@
           <p:cNvPr id="3" name="竖排文字占位符 2">
             <a:extLst>
               <a:ext uri="{FF2B5EF4-FFF2-40B4-BE49-F238E27FC236}">
-                <a16:creationId xmlns:a16="http://schemas.microsoft.com/office/drawing/2014/main" id="{BFAAFF38-D871-A961-313F-EBAF3C68E254}"/>
+                <a16:creationId xmlns:a16="http://schemas.microsoft.com/office/drawing/2014/main" id="{344B93DF-0C6B-E47D-F82B-0271DA71858D}"/>
               </a:ext>
             </a:extLst>
           </p:cNvPr>
@@ -642,7 +642,7 @@
           <p:cNvPr id="4" name="日期占位符 3">
             <a:extLst>
               <a:ext uri="{FF2B5EF4-FFF2-40B4-BE49-F238E27FC236}">
-                <a16:creationId xmlns:a16="http://schemas.microsoft.com/office/drawing/2014/main" id="{5D4E8CE9-1151-FE1D-044E-40F58057279E}"/>
+                <a16:creationId xmlns:a16="http://schemas.microsoft.com/office/drawing/2014/main" id="{FEFA3E0B-31BE-A21F-C936-9011EE65FD5D}"/>
               </a:ext>
             </a:extLst>
           </p:cNvPr>
@@ -658,7 +658,7 @@
           <a:bodyPr/>
           <a:lstStyle/>
           <a:p>
-            <a:fld id="{FA0DA4AF-6F81-42B5-AFFD-2C0CEAA6F579}" type="datetimeFigureOut">
+            <a:fld id="{E18E29B9-F6E3-4DD6-A592-CE200468536B}" type="datetimeFigureOut">
               <a:rPr lang="zh-CN" altLang="en-US" smtClean="0"/>
               <a:t>2024/3/10</a:t>
             </a:fld>
@@ -671,7 +671,7 @@
           <p:cNvPr id="5" name="页脚占位符 4">
             <a:extLst>
               <a:ext uri="{FF2B5EF4-FFF2-40B4-BE49-F238E27FC236}">
-                <a16:creationId xmlns:a16="http://schemas.microsoft.com/office/drawing/2014/main" id="{0F49410F-1D9D-91B9-F23A-26B2E2FFD0BE}"/>
+                <a16:creationId xmlns:a16="http://schemas.microsoft.com/office/drawing/2014/main" id="{E9B2E330-F852-D8ED-A683-1334D1801DDA}"/>
               </a:ext>
             </a:extLst>
           </p:cNvPr>
@@ -696,7 +696,7 @@
           <p:cNvPr id="6" name="灯片编号占位符 5">
             <a:extLst>
               <a:ext uri="{FF2B5EF4-FFF2-40B4-BE49-F238E27FC236}">
-                <a16:creationId xmlns:a16="http://schemas.microsoft.com/office/drawing/2014/main" id="{DE9EAA69-BE9B-0362-CC6A-EAB7B7F315A6}"/>
+                <a16:creationId xmlns:a16="http://schemas.microsoft.com/office/drawing/2014/main" id="{1AF973BA-4447-B528-C95E-D87F8A2591D5}"/>
               </a:ext>
             </a:extLst>
           </p:cNvPr>
@@ -712,7 +712,7 @@
           <a:bodyPr/>
           <a:lstStyle/>
           <a:p>
-            <a:fld id="{DBFF458D-3A2B-460B-95D2-6213DDC09227}" type="slidenum">
+            <a:fld id="{11147750-1E3C-4E96-9FFD-8BAD0DAFA4A2}" type="slidenum">
               <a:rPr lang="zh-CN" altLang="en-US" smtClean="0"/>
               <a:t>‹#›</a:t>
             </a:fld>
@@ -723,7 +723,7 @@
     </p:spTree>
     <p:extLst>
       <p:ext uri="{BB962C8B-B14F-4D97-AF65-F5344CB8AC3E}">
-        <p14:creationId xmlns:p14="http://schemas.microsoft.com/office/powerpoint/2010/main" val="3931581733"/>
+        <p14:creationId xmlns:p14="http://schemas.microsoft.com/office/powerpoint/2010/main" val="3775338407"/>
       </p:ext>
     </p:extLst>
   </p:cSld>
@@ -755,7 +755,7 @@
           <p:cNvPr id="2" name="标题 1">
             <a:extLst>
               <a:ext uri="{FF2B5EF4-FFF2-40B4-BE49-F238E27FC236}">
-                <a16:creationId xmlns:a16="http://schemas.microsoft.com/office/drawing/2014/main" id="{35BF9DFA-A040-4B53-8555-D0FB7AD27100}"/>
+                <a16:creationId xmlns:a16="http://schemas.microsoft.com/office/drawing/2014/main" id="{1852909F-A7C7-1C5E-E268-E1D122C73C96}"/>
               </a:ext>
             </a:extLst>
           </p:cNvPr>
@@ -783,7 +783,7 @@
           <p:cNvPr id="3" name="内容占位符 2">
             <a:extLst>
               <a:ext uri="{FF2B5EF4-FFF2-40B4-BE49-F238E27FC236}">
-                <a16:creationId xmlns:a16="http://schemas.microsoft.com/office/drawing/2014/main" id="{BFBCCBEB-5DE8-49BC-71AB-44A392F71323}"/>
+                <a16:creationId xmlns:a16="http://schemas.microsoft.com/office/drawing/2014/main" id="{28D24F91-B1BE-ABAB-2B12-1CB30CFF151B}"/>
               </a:ext>
             </a:extLst>
           </p:cNvPr>
@@ -840,7 +840,7 @@
           <p:cNvPr id="4" name="日期占位符 3">
             <a:extLst>
               <a:ext uri="{FF2B5EF4-FFF2-40B4-BE49-F238E27FC236}">
-                <a16:creationId xmlns:a16="http://schemas.microsoft.com/office/drawing/2014/main" id="{251E1365-C43F-08A7-F581-B33B5C962EAF}"/>
+                <a16:creationId xmlns:a16="http://schemas.microsoft.com/office/drawing/2014/main" id="{E880689A-14FE-3F28-944C-495089A0AC0F}"/>
               </a:ext>
             </a:extLst>
           </p:cNvPr>
@@ -856,7 +856,7 @@
           <a:bodyPr/>
           <a:lstStyle/>
           <a:p>
-            <a:fld id="{FA0DA4AF-6F81-42B5-AFFD-2C0CEAA6F579}" type="datetimeFigureOut">
+            <a:fld id="{E18E29B9-F6E3-4DD6-A592-CE200468536B}" type="datetimeFigureOut">
               <a:rPr lang="zh-CN" altLang="en-US" smtClean="0"/>
               <a:t>2024/3/10</a:t>
             </a:fld>
@@ -869,7 +869,7 @@
           <p:cNvPr id="5" name="页脚占位符 4">
             <a:extLst>
               <a:ext uri="{FF2B5EF4-FFF2-40B4-BE49-F238E27FC236}">
-                <a16:creationId xmlns:a16="http://schemas.microsoft.com/office/drawing/2014/main" id="{B92154A0-EF73-DFD0-C449-6347BE4F0CD2}"/>
+                <a16:creationId xmlns:a16="http://schemas.microsoft.com/office/drawing/2014/main" id="{A98028C0-301D-0331-2B36-C93AFD37C66A}"/>
               </a:ext>
             </a:extLst>
           </p:cNvPr>
@@ -894,7 +894,7 @@
           <p:cNvPr id="6" name="灯片编号占位符 5">
             <a:extLst>
               <a:ext uri="{FF2B5EF4-FFF2-40B4-BE49-F238E27FC236}">
-                <a16:creationId xmlns:a16="http://schemas.microsoft.com/office/drawing/2014/main" id="{9BAEF44D-7E2A-3521-6513-D8747EEBEFA5}"/>
+                <a16:creationId xmlns:a16="http://schemas.microsoft.com/office/drawing/2014/main" id="{DE1C0C60-F86C-FE0C-30FD-F29BD88B6C81}"/>
               </a:ext>
             </a:extLst>
           </p:cNvPr>
@@ -910,7 +910,7 @@
           <a:bodyPr/>
           <a:lstStyle/>
           <a:p>
-            <a:fld id="{DBFF458D-3A2B-460B-95D2-6213DDC09227}" type="slidenum">
+            <a:fld id="{11147750-1E3C-4E96-9FFD-8BAD0DAFA4A2}" type="slidenum">
               <a:rPr lang="zh-CN" altLang="en-US" smtClean="0"/>
               <a:t>‹#›</a:t>
             </a:fld>
@@ -921,7 +921,7 @@
     </p:spTree>
     <p:extLst>
       <p:ext uri="{BB962C8B-B14F-4D97-AF65-F5344CB8AC3E}">
-        <p14:creationId xmlns:p14="http://schemas.microsoft.com/office/powerpoint/2010/main" val="1258192572"/>
+        <p14:creationId xmlns:p14="http://schemas.microsoft.com/office/powerpoint/2010/main" val="3150987241"/>
       </p:ext>
     </p:extLst>
   </p:cSld>
@@ -953,7 +953,7 @@
           <p:cNvPr id="2" name="标题 1">
             <a:extLst>
               <a:ext uri="{FF2B5EF4-FFF2-40B4-BE49-F238E27FC236}">
-                <a16:creationId xmlns:a16="http://schemas.microsoft.com/office/drawing/2014/main" id="{2C6A43D3-D046-108D-C942-0AE5B891A376}"/>
+                <a16:creationId xmlns:a16="http://schemas.microsoft.com/office/drawing/2014/main" id="{AAAD9835-7E41-3F2A-7771-14C202DA1AD6}"/>
               </a:ext>
             </a:extLst>
           </p:cNvPr>
@@ -990,7 +990,7 @@
           <p:cNvPr id="3" name="文本占位符 2">
             <a:extLst>
               <a:ext uri="{FF2B5EF4-FFF2-40B4-BE49-F238E27FC236}">
-                <a16:creationId xmlns:a16="http://schemas.microsoft.com/office/drawing/2014/main" id="{3334B607-946A-1470-5062-0FFFC7C496E2}"/>
+                <a16:creationId xmlns:a16="http://schemas.microsoft.com/office/drawing/2014/main" id="{66F0B8DE-BA4A-50DE-B3B7-86D0B9EAA01E}"/>
               </a:ext>
             </a:extLst>
           </p:cNvPr>
@@ -1115,7 +1115,7 @@
           <p:cNvPr id="4" name="日期占位符 3">
             <a:extLst>
               <a:ext uri="{FF2B5EF4-FFF2-40B4-BE49-F238E27FC236}">
-                <a16:creationId xmlns:a16="http://schemas.microsoft.com/office/drawing/2014/main" id="{BA5C41A6-C37C-D29C-22BD-C4BA1272F705}"/>
+                <a16:creationId xmlns:a16="http://schemas.microsoft.com/office/drawing/2014/main" id="{680FEE19-4B7A-A46E-C6F7-3DEB656881E6}"/>
               </a:ext>
             </a:extLst>
           </p:cNvPr>
@@ -1131,7 +1131,7 @@
           <a:bodyPr/>
           <a:lstStyle/>
           <a:p>
-            <a:fld id="{FA0DA4AF-6F81-42B5-AFFD-2C0CEAA6F579}" type="datetimeFigureOut">
+            <a:fld id="{E18E29B9-F6E3-4DD6-A592-CE200468536B}" type="datetimeFigureOut">
               <a:rPr lang="zh-CN" altLang="en-US" smtClean="0"/>
               <a:t>2024/3/10</a:t>
             </a:fld>
@@ -1144,7 +1144,7 @@
           <p:cNvPr id="5" name="页脚占位符 4">
             <a:extLst>
               <a:ext uri="{FF2B5EF4-FFF2-40B4-BE49-F238E27FC236}">
-                <a16:creationId xmlns:a16="http://schemas.microsoft.com/office/drawing/2014/main" id="{8B1ED32F-522C-3362-C781-81B5C161D3F0}"/>
+                <a16:creationId xmlns:a16="http://schemas.microsoft.com/office/drawing/2014/main" id="{2284D594-91EF-0651-6CEE-C7031F71CF66}"/>
               </a:ext>
             </a:extLst>
           </p:cNvPr>
@@ -1169,7 +1169,7 @@
           <p:cNvPr id="6" name="灯片编号占位符 5">
             <a:extLst>
               <a:ext uri="{FF2B5EF4-FFF2-40B4-BE49-F238E27FC236}">
-                <a16:creationId xmlns:a16="http://schemas.microsoft.com/office/drawing/2014/main" id="{38F033CC-64C9-3A1D-F5C3-A6956A7DC0B0}"/>
+                <a16:creationId xmlns:a16="http://schemas.microsoft.com/office/drawing/2014/main" id="{D2869BD0-AC6C-7E6A-2C5C-545C41277AC6}"/>
               </a:ext>
             </a:extLst>
           </p:cNvPr>
@@ -1185,7 +1185,7 @@
           <a:bodyPr/>
           <a:lstStyle/>
           <a:p>
-            <a:fld id="{DBFF458D-3A2B-460B-95D2-6213DDC09227}" type="slidenum">
+            <a:fld id="{11147750-1E3C-4E96-9FFD-8BAD0DAFA4A2}" type="slidenum">
               <a:rPr lang="zh-CN" altLang="en-US" smtClean="0"/>
               <a:t>‹#›</a:t>
             </a:fld>
@@ -1196,7 +1196,7 @@
     </p:spTree>
     <p:extLst>
       <p:ext uri="{BB962C8B-B14F-4D97-AF65-F5344CB8AC3E}">
-        <p14:creationId xmlns:p14="http://schemas.microsoft.com/office/powerpoint/2010/main" val="2874383209"/>
+        <p14:creationId xmlns:p14="http://schemas.microsoft.com/office/powerpoint/2010/main" val="2622458319"/>
       </p:ext>
     </p:extLst>
   </p:cSld>
@@ -1228,7 +1228,7 @@
           <p:cNvPr id="2" name="标题 1">
             <a:extLst>
               <a:ext uri="{FF2B5EF4-FFF2-40B4-BE49-F238E27FC236}">
-                <a16:creationId xmlns:a16="http://schemas.microsoft.com/office/drawing/2014/main" id="{0267F785-DA19-1967-4C8B-880562870625}"/>
+                <a16:creationId xmlns:a16="http://schemas.microsoft.com/office/drawing/2014/main" id="{8CBC1438-E10C-58C4-175A-5D31594C5EFF}"/>
               </a:ext>
             </a:extLst>
           </p:cNvPr>
@@ -1256,7 +1256,7 @@
           <p:cNvPr id="3" name="内容占位符 2">
             <a:extLst>
               <a:ext uri="{FF2B5EF4-FFF2-40B4-BE49-F238E27FC236}">
-                <a16:creationId xmlns:a16="http://schemas.microsoft.com/office/drawing/2014/main" id="{C9EBC9FA-47A0-901E-BAB2-23E9D8FB64CA}"/>
+                <a16:creationId xmlns:a16="http://schemas.microsoft.com/office/drawing/2014/main" id="{66F097CF-F2B7-9738-9E36-28FCA83C3345}"/>
               </a:ext>
             </a:extLst>
           </p:cNvPr>
@@ -1318,7 +1318,7 @@
           <p:cNvPr id="4" name="内容占位符 3">
             <a:extLst>
               <a:ext uri="{FF2B5EF4-FFF2-40B4-BE49-F238E27FC236}">
-                <a16:creationId xmlns:a16="http://schemas.microsoft.com/office/drawing/2014/main" id="{AC856A42-1376-F67B-07B2-A06AECC64057}"/>
+                <a16:creationId xmlns:a16="http://schemas.microsoft.com/office/drawing/2014/main" id="{23D1FBB2-C83E-B050-2394-D2DDBEA82557}"/>
               </a:ext>
             </a:extLst>
           </p:cNvPr>
@@ -1380,7 +1380,7 @@
           <p:cNvPr id="5" name="日期占位符 4">
             <a:extLst>
               <a:ext uri="{FF2B5EF4-FFF2-40B4-BE49-F238E27FC236}">
-                <a16:creationId xmlns:a16="http://schemas.microsoft.com/office/drawing/2014/main" id="{70CA29E3-5BB3-CC1C-A9A2-431CF0313878}"/>
+                <a16:creationId xmlns:a16="http://schemas.microsoft.com/office/drawing/2014/main" id="{DB52BD77-178F-DD9F-6963-4108549AEAE4}"/>
               </a:ext>
             </a:extLst>
           </p:cNvPr>
@@ -1396,7 +1396,7 @@
           <a:bodyPr/>
           <a:lstStyle/>
           <a:p>
-            <a:fld id="{FA0DA4AF-6F81-42B5-AFFD-2C0CEAA6F579}" type="datetimeFigureOut">
+            <a:fld id="{E18E29B9-F6E3-4DD6-A592-CE200468536B}" type="datetimeFigureOut">
               <a:rPr lang="zh-CN" altLang="en-US" smtClean="0"/>
               <a:t>2024/3/10</a:t>
             </a:fld>
@@ -1409,7 +1409,7 @@
           <p:cNvPr id="6" name="页脚占位符 5">
             <a:extLst>
               <a:ext uri="{FF2B5EF4-FFF2-40B4-BE49-F238E27FC236}">
-                <a16:creationId xmlns:a16="http://schemas.microsoft.com/office/drawing/2014/main" id="{FA53E12A-D367-1766-A971-B4FED0D43A9D}"/>
+                <a16:creationId xmlns:a16="http://schemas.microsoft.com/office/drawing/2014/main" id="{BFF73849-2B4E-48FC-1321-36625070081D}"/>
               </a:ext>
             </a:extLst>
           </p:cNvPr>
@@ -1434,7 +1434,7 @@
           <p:cNvPr id="7" name="灯片编号占位符 6">
             <a:extLst>
               <a:ext uri="{FF2B5EF4-FFF2-40B4-BE49-F238E27FC236}">
-                <a16:creationId xmlns:a16="http://schemas.microsoft.com/office/drawing/2014/main" id="{DF4CA1B2-C68B-9F09-9E91-39A43D18B9EE}"/>
+                <a16:creationId xmlns:a16="http://schemas.microsoft.com/office/drawing/2014/main" id="{5097707B-5FA1-C088-8BFA-C0817518130F}"/>
               </a:ext>
             </a:extLst>
           </p:cNvPr>
@@ -1450,7 +1450,7 @@
           <a:bodyPr/>
           <a:lstStyle/>
           <a:p>
-            <a:fld id="{DBFF458D-3A2B-460B-95D2-6213DDC09227}" type="slidenum">
+            <a:fld id="{11147750-1E3C-4E96-9FFD-8BAD0DAFA4A2}" type="slidenum">
               <a:rPr lang="zh-CN" altLang="en-US" smtClean="0"/>
               <a:t>‹#›</a:t>
             </a:fld>
@@ -1461,7 +1461,7 @@
     </p:spTree>
     <p:extLst>
       <p:ext uri="{BB962C8B-B14F-4D97-AF65-F5344CB8AC3E}">
-        <p14:creationId xmlns:p14="http://schemas.microsoft.com/office/powerpoint/2010/main" val="1778040861"/>
+        <p14:creationId xmlns:p14="http://schemas.microsoft.com/office/powerpoint/2010/main" val="951790607"/>
       </p:ext>
     </p:extLst>
   </p:cSld>
@@ -1493,7 +1493,7 @@
           <p:cNvPr id="2" name="标题 1">
             <a:extLst>
               <a:ext uri="{FF2B5EF4-FFF2-40B4-BE49-F238E27FC236}">
-                <a16:creationId xmlns:a16="http://schemas.microsoft.com/office/drawing/2014/main" id="{7AB7A8FD-9EE1-24CA-B4F6-682857D777B1}"/>
+                <a16:creationId xmlns:a16="http://schemas.microsoft.com/office/drawing/2014/main" id="{C7A79022-B046-776A-3D75-635D264FFF19}"/>
               </a:ext>
             </a:extLst>
           </p:cNvPr>
@@ -1526,7 +1526,7 @@
           <p:cNvPr id="3" name="文本占位符 2">
             <a:extLst>
               <a:ext uri="{FF2B5EF4-FFF2-40B4-BE49-F238E27FC236}">
-                <a16:creationId xmlns:a16="http://schemas.microsoft.com/office/drawing/2014/main" id="{21C85369-5349-E908-70C4-DA5F1C7E4898}"/>
+                <a16:creationId xmlns:a16="http://schemas.microsoft.com/office/drawing/2014/main" id="{8040B9D3-77F6-42E2-875C-B7AFFCA35B41}"/>
               </a:ext>
             </a:extLst>
           </p:cNvPr>
@@ -1597,7 +1597,7 @@
           <p:cNvPr id="4" name="内容占位符 3">
             <a:extLst>
               <a:ext uri="{FF2B5EF4-FFF2-40B4-BE49-F238E27FC236}">
-                <a16:creationId xmlns:a16="http://schemas.microsoft.com/office/drawing/2014/main" id="{C8778252-C6A7-F924-2F46-B1122650274D}"/>
+                <a16:creationId xmlns:a16="http://schemas.microsoft.com/office/drawing/2014/main" id="{6CCC4647-43E7-9EFA-1DB5-8E0C3661D7C1}"/>
               </a:ext>
             </a:extLst>
           </p:cNvPr>
@@ -1659,7 +1659,7 @@
           <p:cNvPr id="5" name="文本占位符 4">
             <a:extLst>
               <a:ext uri="{FF2B5EF4-FFF2-40B4-BE49-F238E27FC236}">
-                <a16:creationId xmlns:a16="http://schemas.microsoft.com/office/drawing/2014/main" id="{0411E5E4-CE47-96FF-BB3A-0EFC26592ACF}"/>
+                <a16:creationId xmlns:a16="http://schemas.microsoft.com/office/drawing/2014/main" id="{82F292D8-3DC6-A6FE-467B-5F5552DA4E23}"/>
               </a:ext>
             </a:extLst>
           </p:cNvPr>
@@ -1730,7 +1730,7 @@
           <p:cNvPr id="6" name="内容占位符 5">
             <a:extLst>
               <a:ext uri="{FF2B5EF4-FFF2-40B4-BE49-F238E27FC236}">
-                <a16:creationId xmlns:a16="http://schemas.microsoft.com/office/drawing/2014/main" id="{8A2C96C6-45DD-6048-69B7-8B0BCC172D46}"/>
+                <a16:creationId xmlns:a16="http://schemas.microsoft.com/office/drawing/2014/main" id="{AC506212-D870-44D9-F506-B64D449AC65A}"/>
               </a:ext>
             </a:extLst>
           </p:cNvPr>
@@ -1792,7 +1792,7 @@
           <p:cNvPr id="7" name="日期占位符 6">
             <a:extLst>
               <a:ext uri="{FF2B5EF4-FFF2-40B4-BE49-F238E27FC236}">
-                <a16:creationId xmlns:a16="http://schemas.microsoft.com/office/drawing/2014/main" id="{A0631864-FCB7-196C-2EB5-C294E9F66E79}"/>
+                <a16:creationId xmlns:a16="http://schemas.microsoft.com/office/drawing/2014/main" id="{974273DE-56AC-1234-9EE4-66F27AAAB08A}"/>
               </a:ext>
             </a:extLst>
           </p:cNvPr>
@@ -1808,7 +1808,7 @@
           <a:bodyPr/>
           <a:lstStyle/>
           <a:p>
-            <a:fld id="{FA0DA4AF-6F81-42B5-AFFD-2C0CEAA6F579}" type="datetimeFigureOut">
+            <a:fld id="{E18E29B9-F6E3-4DD6-A592-CE200468536B}" type="datetimeFigureOut">
               <a:rPr lang="zh-CN" altLang="en-US" smtClean="0"/>
               <a:t>2024/3/10</a:t>
             </a:fld>
@@ -1821,7 +1821,7 @@
           <p:cNvPr id="8" name="页脚占位符 7">
             <a:extLst>
               <a:ext uri="{FF2B5EF4-FFF2-40B4-BE49-F238E27FC236}">
-                <a16:creationId xmlns:a16="http://schemas.microsoft.com/office/drawing/2014/main" id="{0F70901D-AD28-11C6-5285-C592294D9893}"/>
+                <a16:creationId xmlns:a16="http://schemas.microsoft.com/office/drawing/2014/main" id="{42280BDA-4A09-F5B3-4EB7-25F88C71B636}"/>
               </a:ext>
             </a:extLst>
           </p:cNvPr>
@@ -1846,7 +1846,7 @@
           <p:cNvPr id="9" name="灯片编号占位符 8">
             <a:extLst>
               <a:ext uri="{FF2B5EF4-FFF2-40B4-BE49-F238E27FC236}">
-                <a16:creationId xmlns:a16="http://schemas.microsoft.com/office/drawing/2014/main" id="{DBC911F7-B178-E006-BE78-E163CC756FC6}"/>
+                <a16:creationId xmlns:a16="http://schemas.microsoft.com/office/drawing/2014/main" id="{C0B13714-E4D4-7CD7-124A-C3A63C69AC74}"/>
               </a:ext>
             </a:extLst>
           </p:cNvPr>
@@ -1862,7 +1862,7 @@
           <a:bodyPr/>
           <a:lstStyle/>
           <a:p>
-            <a:fld id="{DBFF458D-3A2B-460B-95D2-6213DDC09227}" type="slidenum">
+            <a:fld id="{11147750-1E3C-4E96-9FFD-8BAD0DAFA4A2}" type="slidenum">
               <a:rPr lang="zh-CN" altLang="en-US" smtClean="0"/>
               <a:t>‹#›</a:t>
             </a:fld>
@@ -1873,7 +1873,7 @@
     </p:spTree>
     <p:extLst>
       <p:ext uri="{BB962C8B-B14F-4D97-AF65-F5344CB8AC3E}">
-        <p14:creationId xmlns:p14="http://schemas.microsoft.com/office/powerpoint/2010/main" val="2764484702"/>
+        <p14:creationId xmlns:p14="http://schemas.microsoft.com/office/powerpoint/2010/main" val="2010129315"/>
       </p:ext>
     </p:extLst>
   </p:cSld>
@@ -1905,7 +1905,7 @@
           <p:cNvPr id="2" name="标题 1">
             <a:extLst>
               <a:ext uri="{FF2B5EF4-FFF2-40B4-BE49-F238E27FC236}">
-                <a16:creationId xmlns:a16="http://schemas.microsoft.com/office/drawing/2014/main" id="{3539B233-5271-8784-FC71-C4E3325B046D}"/>
+                <a16:creationId xmlns:a16="http://schemas.microsoft.com/office/drawing/2014/main" id="{05469140-8F5F-21F4-2279-45BDEF0A76E2}"/>
               </a:ext>
             </a:extLst>
           </p:cNvPr>
@@ -1933,7 +1933,7 @@
           <p:cNvPr id="3" name="日期占位符 2">
             <a:extLst>
               <a:ext uri="{FF2B5EF4-FFF2-40B4-BE49-F238E27FC236}">
-                <a16:creationId xmlns:a16="http://schemas.microsoft.com/office/drawing/2014/main" id="{A69A1D02-17F1-AFEC-C955-B8109AD0F450}"/>
+                <a16:creationId xmlns:a16="http://schemas.microsoft.com/office/drawing/2014/main" id="{1608499D-4B1F-4DAF-D19A-A061CE0ADEAB}"/>
               </a:ext>
             </a:extLst>
           </p:cNvPr>
@@ -1949,7 +1949,7 @@
           <a:bodyPr/>
           <a:lstStyle/>
           <a:p>
-            <a:fld id="{FA0DA4AF-6F81-42B5-AFFD-2C0CEAA6F579}" type="datetimeFigureOut">
+            <a:fld id="{E18E29B9-F6E3-4DD6-A592-CE200468536B}" type="datetimeFigureOut">
               <a:rPr lang="zh-CN" altLang="en-US" smtClean="0"/>
               <a:t>2024/3/10</a:t>
             </a:fld>
@@ -1962,7 +1962,7 @@
           <p:cNvPr id="4" name="页脚占位符 3">
             <a:extLst>
               <a:ext uri="{FF2B5EF4-FFF2-40B4-BE49-F238E27FC236}">
-                <a16:creationId xmlns:a16="http://schemas.microsoft.com/office/drawing/2014/main" id="{553283A5-C117-0C28-AAE7-6E3C829E2BE6}"/>
+                <a16:creationId xmlns:a16="http://schemas.microsoft.com/office/drawing/2014/main" id="{D5E7C362-1E2F-6F82-1709-AF8AC1EA855C}"/>
               </a:ext>
             </a:extLst>
           </p:cNvPr>
@@ -1987,7 +1987,7 @@
           <p:cNvPr id="5" name="灯片编号占位符 4">
             <a:extLst>
               <a:ext uri="{FF2B5EF4-FFF2-40B4-BE49-F238E27FC236}">
-                <a16:creationId xmlns:a16="http://schemas.microsoft.com/office/drawing/2014/main" id="{DD94A19C-B784-76F5-8DB6-64AED12B756D}"/>
+                <a16:creationId xmlns:a16="http://schemas.microsoft.com/office/drawing/2014/main" id="{1E802F82-8F7B-F6A1-3BB0-1DC9833A5B05}"/>
               </a:ext>
             </a:extLst>
           </p:cNvPr>
@@ -2003,7 +2003,7 @@
           <a:bodyPr/>
           <a:lstStyle/>
           <a:p>
-            <a:fld id="{DBFF458D-3A2B-460B-95D2-6213DDC09227}" type="slidenum">
+            <a:fld id="{11147750-1E3C-4E96-9FFD-8BAD0DAFA4A2}" type="slidenum">
               <a:rPr lang="zh-CN" altLang="en-US" smtClean="0"/>
               <a:t>‹#›</a:t>
             </a:fld>
@@ -2014,7 +2014,7 @@
     </p:spTree>
     <p:extLst>
       <p:ext uri="{BB962C8B-B14F-4D97-AF65-F5344CB8AC3E}">
-        <p14:creationId xmlns:p14="http://schemas.microsoft.com/office/powerpoint/2010/main" val="1642698372"/>
+        <p14:creationId xmlns:p14="http://schemas.microsoft.com/office/powerpoint/2010/main" val="1404131026"/>
       </p:ext>
     </p:extLst>
   </p:cSld>
@@ -2046,7 +2046,7 @@
           <p:cNvPr id="2" name="日期占位符 1">
             <a:extLst>
               <a:ext uri="{FF2B5EF4-FFF2-40B4-BE49-F238E27FC236}">
-                <a16:creationId xmlns:a16="http://schemas.microsoft.com/office/drawing/2014/main" id="{4A6744EF-5DD1-2931-DEFF-937CBA322F36}"/>
+                <a16:creationId xmlns:a16="http://schemas.microsoft.com/office/drawing/2014/main" id="{59E2E473-CA96-35B2-EE35-94D33A738372}"/>
               </a:ext>
             </a:extLst>
           </p:cNvPr>
@@ -2062,7 +2062,7 @@
           <a:bodyPr/>
           <a:lstStyle/>
           <a:p>
-            <a:fld id="{FA0DA4AF-6F81-42B5-AFFD-2C0CEAA6F579}" type="datetimeFigureOut">
+            <a:fld id="{E18E29B9-F6E3-4DD6-A592-CE200468536B}" type="datetimeFigureOut">
               <a:rPr lang="zh-CN" altLang="en-US" smtClean="0"/>
               <a:t>2024/3/10</a:t>
             </a:fld>
@@ -2075,7 +2075,7 @@
           <p:cNvPr id="3" name="页脚占位符 2">
             <a:extLst>
               <a:ext uri="{FF2B5EF4-FFF2-40B4-BE49-F238E27FC236}">
-                <a16:creationId xmlns:a16="http://schemas.microsoft.com/office/drawing/2014/main" id="{EB02AD17-F5FB-3275-A4A9-8276C5C52B64}"/>
+                <a16:creationId xmlns:a16="http://schemas.microsoft.com/office/drawing/2014/main" id="{2483BDE9-6FA5-F4F1-5C67-9D0919A42604}"/>
               </a:ext>
             </a:extLst>
           </p:cNvPr>
@@ -2100,7 +2100,7 @@
           <p:cNvPr id="4" name="灯片编号占位符 3">
             <a:extLst>
               <a:ext uri="{FF2B5EF4-FFF2-40B4-BE49-F238E27FC236}">
-                <a16:creationId xmlns:a16="http://schemas.microsoft.com/office/drawing/2014/main" id="{9E90BE26-6011-F52A-1DD8-DA713455EB3E}"/>
+                <a16:creationId xmlns:a16="http://schemas.microsoft.com/office/drawing/2014/main" id="{641E02FF-C7BC-F381-B214-7F9D820710FE}"/>
               </a:ext>
             </a:extLst>
           </p:cNvPr>
@@ -2116,7 +2116,7 @@
           <a:bodyPr/>
           <a:lstStyle/>
           <a:p>
-            <a:fld id="{DBFF458D-3A2B-460B-95D2-6213DDC09227}" type="slidenum">
+            <a:fld id="{11147750-1E3C-4E96-9FFD-8BAD0DAFA4A2}" type="slidenum">
               <a:rPr lang="zh-CN" altLang="en-US" smtClean="0"/>
               <a:t>‹#›</a:t>
             </a:fld>
@@ -2127,7 +2127,7 @@
     </p:spTree>
     <p:extLst>
       <p:ext uri="{BB962C8B-B14F-4D97-AF65-F5344CB8AC3E}">
-        <p14:creationId xmlns:p14="http://schemas.microsoft.com/office/powerpoint/2010/main" val="776132248"/>
+        <p14:creationId xmlns:p14="http://schemas.microsoft.com/office/powerpoint/2010/main" val="3645125232"/>
       </p:ext>
     </p:extLst>
   </p:cSld>
@@ -2159,7 +2159,7 @@
           <p:cNvPr id="2" name="标题 1">
             <a:extLst>
               <a:ext uri="{FF2B5EF4-FFF2-40B4-BE49-F238E27FC236}">
-                <a16:creationId xmlns:a16="http://schemas.microsoft.com/office/drawing/2014/main" id="{1185DC03-F9DA-4CC3-72C7-5354BBF8DA54}"/>
+                <a16:creationId xmlns:a16="http://schemas.microsoft.com/office/drawing/2014/main" id="{60696219-E42B-6C16-0F63-6D8775734AD7}"/>
               </a:ext>
             </a:extLst>
           </p:cNvPr>
@@ -2196,7 +2196,7 @@
           <p:cNvPr id="3" name="内容占位符 2">
             <a:extLst>
               <a:ext uri="{FF2B5EF4-FFF2-40B4-BE49-F238E27FC236}">
-                <a16:creationId xmlns:a16="http://schemas.microsoft.com/office/drawing/2014/main" id="{DE6655B8-3502-93AF-BB0B-CDB87CD41FCF}"/>
+                <a16:creationId xmlns:a16="http://schemas.microsoft.com/office/drawing/2014/main" id="{98AEBF20-6EE1-72C0-0FE2-54935BA5BCB6}"/>
               </a:ext>
             </a:extLst>
           </p:cNvPr>
@@ -2286,7 +2286,7 @@
           <p:cNvPr id="4" name="文本占位符 3">
             <a:extLst>
               <a:ext uri="{FF2B5EF4-FFF2-40B4-BE49-F238E27FC236}">
-                <a16:creationId xmlns:a16="http://schemas.microsoft.com/office/drawing/2014/main" id="{CE630726-3A72-1BFA-5F76-425161F31C42}"/>
+                <a16:creationId xmlns:a16="http://schemas.microsoft.com/office/drawing/2014/main" id="{6B7A42FD-B18D-9839-EA4B-2BA53B75E717}"/>
               </a:ext>
             </a:extLst>
           </p:cNvPr>
@@ -2357,7 +2357,7 @@
           <p:cNvPr id="5" name="日期占位符 4">
             <a:extLst>
               <a:ext uri="{FF2B5EF4-FFF2-40B4-BE49-F238E27FC236}">
-                <a16:creationId xmlns:a16="http://schemas.microsoft.com/office/drawing/2014/main" id="{AB97466A-E28A-C2C5-E128-23D425C7707B}"/>
+                <a16:creationId xmlns:a16="http://schemas.microsoft.com/office/drawing/2014/main" id="{13A16544-D6D5-AFBE-3E9A-DFB2A2A64540}"/>
               </a:ext>
             </a:extLst>
           </p:cNvPr>
@@ -2373,7 +2373,7 @@
           <a:bodyPr/>
           <a:lstStyle/>
           <a:p>
-            <a:fld id="{FA0DA4AF-6F81-42B5-AFFD-2C0CEAA6F579}" type="datetimeFigureOut">
+            <a:fld id="{E18E29B9-F6E3-4DD6-A592-CE200468536B}" type="datetimeFigureOut">
               <a:rPr lang="zh-CN" altLang="en-US" smtClean="0"/>
               <a:t>2024/3/10</a:t>
             </a:fld>
@@ -2386,7 +2386,7 @@
           <p:cNvPr id="6" name="页脚占位符 5">
             <a:extLst>
               <a:ext uri="{FF2B5EF4-FFF2-40B4-BE49-F238E27FC236}">
-                <a16:creationId xmlns:a16="http://schemas.microsoft.com/office/drawing/2014/main" id="{48DBBD61-7B0E-D7B9-3FD6-7E0289D20DC6}"/>
+                <a16:creationId xmlns:a16="http://schemas.microsoft.com/office/drawing/2014/main" id="{71E0BD4B-58C7-EDE3-9656-DF7A566E2318}"/>
               </a:ext>
             </a:extLst>
           </p:cNvPr>
@@ -2411,7 +2411,7 @@
           <p:cNvPr id="7" name="灯片编号占位符 6">
             <a:extLst>
               <a:ext uri="{FF2B5EF4-FFF2-40B4-BE49-F238E27FC236}">
-                <a16:creationId xmlns:a16="http://schemas.microsoft.com/office/drawing/2014/main" id="{ED9ACFA1-F122-48B9-DFA4-718F54E48F45}"/>
+                <a16:creationId xmlns:a16="http://schemas.microsoft.com/office/drawing/2014/main" id="{3A105F41-60B5-FFAA-F452-BD4B706530A1}"/>
               </a:ext>
             </a:extLst>
           </p:cNvPr>
@@ -2427,7 +2427,7 @@
           <a:bodyPr/>
           <a:lstStyle/>
           <a:p>
-            <a:fld id="{DBFF458D-3A2B-460B-95D2-6213DDC09227}" type="slidenum">
+            <a:fld id="{11147750-1E3C-4E96-9FFD-8BAD0DAFA4A2}" type="slidenum">
               <a:rPr lang="zh-CN" altLang="en-US" smtClean="0"/>
               <a:t>‹#›</a:t>
             </a:fld>
@@ -2438,7 +2438,7 @@
     </p:spTree>
     <p:extLst>
       <p:ext uri="{BB962C8B-B14F-4D97-AF65-F5344CB8AC3E}">
-        <p14:creationId xmlns:p14="http://schemas.microsoft.com/office/powerpoint/2010/main" val="2263700539"/>
+        <p14:creationId xmlns:p14="http://schemas.microsoft.com/office/powerpoint/2010/main" val="4071751541"/>
       </p:ext>
     </p:extLst>
   </p:cSld>
@@ -2470,7 +2470,7 @@
           <p:cNvPr id="2" name="标题 1">
             <a:extLst>
               <a:ext uri="{FF2B5EF4-FFF2-40B4-BE49-F238E27FC236}">
-                <a16:creationId xmlns:a16="http://schemas.microsoft.com/office/drawing/2014/main" id="{BB404AEB-9A8D-5BE1-2832-3D9E046D5C31}"/>
+                <a16:creationId xmlns:a16="http://schemas.microsoft.com/office/drawing/2014/main" id="{FDE57DC7-000A-8EDA-9599-B1A13F3A8C02}"/>
               </a:ext>
             </a:extLst>
           </p:cNvPr>
@@ -2507,7 +2507,7 @@
           <p:cNvPr id="3" name="图片占位符 2">
             <a:extLst>
               <a:ext uri="{FF2B5EF4-FFF2-40B4-BE49-F238E27FC236}">
-                <a16:creationId xmlns:a16="http://schemas.microsoft.com/office/drawing/2014/main" id="{66DDCE52-96C0-C5DD-1113-CA32144AB45A}"/>
+                <a16:creationId xmlns:a16="http://schemas.microsoft.com/office/drawing/2014/main" id="{14F0873B-E881-BF28-D714-6818FC620B03}"/>
               </a:ext>
             </a:extLst>
           </p:cNvPr>
@@ -2574,7 +2574,7 @@
           <p:cNvPr id="4" name="文本占位符 3">
             <a:extLst>
               <a:ext uri="{FF2B5EF4-FFF2-40B4-BE49-F238E27FC236}">
-                <a16:creationId xmlns:a16="http://schemas.microsoft.com/office/drawing/2014/main" id="{553A8DE0-F16C-E7C2-96CD-ABAB8F08DFD1}"/>
+                <a16:creationId xmlns:a16="http://schemas.microsoft.com/office/drawing/2014/main" id="{73514204-6823-BA65-7BBC-8177B50A89C0}"/>
               </a:ext>
             </a:extLst>
           </p:cNvPr>
@@ -2645,7 +2645,7 @@
           <p:cNvPr id="5" name="日期占位符 4">
             <a:extLst>
               <a:ext uri="{FF2B5EF4-FFF2-40B4-BE49-F238E27FC236}">
-                <a16:creationId xmlns:a16="http://schemas.microsoft.com/office/drawing/2014/main" id="{845DA507-B5A3-40DE-9AB8-CD1D69AF4E9A}"/>
+                <a16:creationId xmlns:a16="http://schemas.microsoft.com/office/drawing/2014/main" id="{06B0DE7B-8B11-6BFD-2B56-62244187514D}"/>
               </a:ext>
             </a:extLst>
           </p:cNvPr>
@@ -2661,7 +2661,7 @@
           <a:bodyPr/>
           <a:lstStyle/>
           <a:p>
-            <a:fld id="{FA0DA4AF-6F81-42B5-AFFD-2C0CEAA6F579}" type="datetimeFigureOut">
+            <a:fld id="{E18E29B9-F6E3-4DD6-A592-CE200468536B}" type="datetimeFigureOut">
               <a:rPr lang="zh-CN" altLang="en-US" smtClean="0"/>
               <a:t>2024/3/10</a:t>
             </a:fld>
@@ -2674,7 +2674,7 @@
           <p:cNvPr id="6" name="页脚占位符 5">
             <a:extLst>
               <a:ext uri="{FF2B5EF4-FFF2-40B4-BE49-F238E27FC236}">
-                <a16:creationId xmlns:a16="http://schemas.microsoft.com/office/drawing/2014/main" id="{693DA114-CC3F-BAB2-BE56-BB8B5B5A0A10}"/>
+                <a16:creationId xmlns:a16="http://schemas.microsoft.com/office/drawing/2014/main" id="{234B4637-AE05-2668-F439-A7FC9D8998A6}"/>
               </a:ext>
             </a:extLst>
           </p:cNvPr>
@@ -2699,7 +2699,7 @@
           <p:cNvPr id="7" name="灯片编号占位符 6">
             <a:extLst>
               <a:ext uri="{FF2B5EF4-FFF2-40B4-BE49-F238E27FC236}">
-                <a16:creationId xmlns:a16="http://schemas.microsoft.com/office/drawing/2014/main" id="{8322DE06-5358-CB0B-A4D5-CADF4805118A}"/>
+                <a16:creationId xmlns:a16="http://schemas.microsoft.com/office/drawing/2014/main" id="{92B351EE-80EE-4286-E3ED-05B2C6E3E1F9}"/>
               </a:ext>
             </a:extLst>
           </p:cNvPr>
@@ -2715,7 +2715,7 @@
           <a:bodyPr/>
           <a:lstStyle/>
           <a:p>
-            <a:fld id="{DBFF458D-3A2B-460B-95D2-6213DDC09227}" type="slidenum">
+            <a:fld id="{11147750-1E3C-4E96-9FFD-8BAD0DAFA4A2}" type="slidenum">
               <a:rPr lang="zh-CN" altLang="en-US" smtClean="0"/>
               <a:t>‹#›</a:t>
             </a:fld>
@@ -2726,7 +2726,7 @@
     </p:spTree>
     <p:extLst>
       <p:ext uri="{BB962C8B-B14F-4D97-AF65-F5344CB8AC3E}">
-        <p14:creationId xmlns:p14="http://schemas.microsoft.com/office/powerpoint/2010/main" val="3069088282"/>
+        <p14:creationId xmlns:p14="http://schemas.microsoft.com/office/powerpoint/2010/main" val="248456196"/>
       </p:ext>
     </p:extLst>
   </p:cSld>
@@ -2763,7 +2763,7 @@
           <p:cNvPr id="2" name="标题占位符 1">
             <a:extLst>
               <a:ext uri="{FF2B5EF4-FFF2-40B4-BE49-F238E27FC236}">
-                <a16:creationId xmlns:a16="http://schemas.microsoft.com/office/drawing/2014/main" id="{CF467882-B86B-D512-9798-2C57879C5510}"/>
+                <a16:creationId xmlns:a16="http://schemas.microsoft.com/office/drawing/2014/main" id="{95D25BB8-5EAE-4F8E-ED74-693CA66244BD}"/>
               </a:ext>
             </a:extLst>
           </p:cNvPr>
@@ -2801,7 +2801,7 @@
           <p:cNvPr id="3" name="文本占位符 2">
             <a:extLst>
               <a:ext uri="{FF2B5EF4-FFF2-40B4-BE49-F238E27FC236}">
-                <a16:creationId xmlns:a16="http://schemas.microsoft.com/office/drawing/2014/main" id="{DB0E5B02-AE7A-17DB-A367-E33AD484EA35}"/>
+                <a16:creationId xmlns:a16="http://schemas.microsoft.com/office/drawing/2014/main" id="{05E958AE-DAD4-91A5-B8C2-3741E91E435A}"/>
               </a:ext>
             </a:extLst>
           </p:cNvPr>
@@ -2868,7 +2868,7 @@
           <p:cNvPr id="4" name="日期占位符 3">
             <a:extLst>
               <a:ext uri="{FF2B5EF4-FFF2-40B4-BE49-F238E27FC236}">
-                <a16:creationId xmlns:a16="http://schemas.microsoft.com/office/drawing/2014/main" id="{84EF1C6C-BF81-B53E-E3D0-DB914F7E4A5D}"/>
+                <a16:creationId xmlns:a16="http://schemas.microsoft.com/office/drawing/2014/main" id="{01D40E35-A763-6F23-BE62-CAAF27F47245}"/>
               </a:ext>
             </a:extLst>
           </p:cNvPr>
@@ -2902,7 +2902,7 @@
             </a:lvl1pPr>
           </a:lstStyle>
           <a:p>
-            <a:fld id="{FA0DA4AF-6F81-42B5-AFFD-2C0CEAA6F579}" type="datetimeFigureOut">
+            <a:fld id="{E18E29B9-F6E3-4DD6-A592-CE200468536B}" type="datetimeFigureOut">
               <a:rPr lang="zh-CN" altLang="en-US" smtClean="0"/>
               <a:t>2024/3/10</a:t>
             </a:fld>
@@ -2915,7 +2915,7 @@
           <p:cNvPr id="5" name="页脚占位符 4">
             <a:extLst>
               <a:ext uri="{FF2B5EF4-FFF2-40B4-BE49-F238E27FC236}">
-                <a16:creationId xmlns:a16="http://schemas.microsoft.com/office/drawing/2014/main" id="{35029FAD-7C23-632A-B8BD-1CFF8B28FF60}"/>
+                <a16:creationId xmlns:a16="http://schemas.microsoft.com/office/drawing/2014/main" id="{FA0B9430-B447-653C-9F16-FDD4B58A27DB}"/>
               </a:ext>
             </a:extLst>
           </p:cNvPr>
@@ -2958,7 +2958,7 @@
           <p:cNvPr id="6" name="灯片编号占位符 5">
             <a:extLst>
               <a:ext uri="{FF2B5EF4-FFF2-40B4-BE49-F238E27FC236}">
-                <a16:creationId xmlns:a16="http://schemas.microsoft.com/office/drawing/2014/main" id="{52E07A3F-3340-5878-A08D-FA69C711DEDF}"/>
+                <a16:creationId xmlns:a16="http://schemas.microsoft.com/office/drawing/2014/main" id="{EADAFBBC-8C97-DC25-6980-E59041F61B57}"/>
               </a:ext>
             </a:extLst>
           </p:cNvPr>
@@ -2992,7 +2992,7 @@
             </a:lvl1pPr>
           </a:lstStyle>
           <a:p>
-            <a:fld id="{DBFF458D-3A2B-460B-95D2-6213DDC09227}" type="slidenum">
+            <a:fld id="{11147750-1E3C-4E96-9FFD-8BAD0DAFA4A2}" type="slidenum">
               <a:rPr lang="zh-CN" altLang="en-US" smtClean="0"/>
               <a:t>‹#›</a:t>
             </a:fld>
@@ -3003,7 +3003,7 @@
     </p:spTree>
     <p:extLst>
       <p:ext uri="{BB962C8B-B14F-4D97-AF65-F5344CB8AC3E}">
-        <p14:creationId xmlns:p14="http://schemas.microsoft.com/office/powerpoint/2010/main" val="495249197"/>
+        <p14:creationId xmlns:p14="http://schemas.microsoft.com/office/powerpoint/2010/main" val="1989372154"/>
       </p:ext>
     </p:extLst>
   </p:cSld>
@@ -3323,7 +3323,7 @@
       </p:grpSpPr>
       <p:pic>
         <p:nvPicPr>
-          <p:cNvPr id="290818" name="Picture 2" descr="283"/>
+          <p:cNvPr id="291842" name="Picture 2" descr="284"/>
           <p:cNvPicPr>
             <a:picLocks noChangeAspect="1" noChangeArrowheads="1"/>
           </p:cNvPicPr>
@@ -3344,8 +3344,8 @@
         </p:blipFill>
         <p:spPr bwMode="auto">
           <a:xfrm>
-            <a:off x="1524000" y="1"/>
-            <a:ext cx="9144000" cy="3573463"/>
+            <a:off x="1524000" y="0"/>
+            <a:ext cx="9144000" cy="6858000"/>
           </a:xfrm>
           <a:prstGeom prst="rect">
             <a:avLst/>
@@ -3375,11 +3375,158 @@
           </a:extLst>
         </p:spPr>
       </p:pic>
+      <p:pic>
+        <p:nvPicPr>
+          <p:cNvPr id="292867" name="Picture 3" descr="284-2"/>
+          <p:cNvPicPr>
+            <a:picLocks noChangeAspect="1" noChangeArrowheads="1"/>
+          </p:cNvPicPr>
+          <p:nvPr/>
+        </p:nvPicPr>
+        <p:blipFill>
+          <a:blip r:embed="rId3">
+            <a:extLst>
+              <a:ext uri="{28A0092B-C50C-407E-A947-70E740481C1C}">
+                <a14:useLocalDpi xmlns:a14="http://schemas.microsoft.com/office/drawing/2010/main" val="0"/>
+              </a:ext>
+            </a:extLst>
+          </a:blip>
+          <a:srcRect/>
+          <a:stretch>
+            <a:fillRect/>
+          </a:stretch>
+        </p:blipFill>
+        <p:spPr bwMode="auto">
+          <a:xfrm>
+            <a:off x="1524000" y="0"/>
+            <a:ext cx="9144000" cy="6858000"/>
+          </a:xfrm>
+          <a:prstGeom prst="rect">
+            <a:avLst/>
+          </a:prstGeom>
+          <a:noFill/>
+          <a:ln>
+            <a:noFill/>
+          </a:ln>
+          <a:effectLst/>
+          <a:extLst>
+            <a:ext uri="{909E8E84-426E-40DD-AFC4-6F175D3DCCD1}">
+              <a14:hiddenFill xmlns:a14="http://schemas.microsoft.com/office/drawing/2010/main">
+                <a:solidFill>
+                  <a:srgbClr val="FFFFFF"/>
+                </a:solidFill>
+              </a14:hiddenFill>
+            </a:ext>
+            <a:ext uri="{91240B29-F687-4F45-9708-019B960494DF}">
+              <a14:hiddenLine xmlns:a14="http://schemas.microsoft.com/office/drawing/2010/main" w="9525">
+                <a:solidFill>
+                  <a:srgbClr val="000000"/>
+                </a:solidFill>
+                <a:miter lim="800000"/>
+                <a:headEnd/>
+                <a:tailEnd/>
+              </a14:hiddenLine>
+            </a:ext>
+            <a:ext uri="{AF507438-7753-43E0-B8FC-AC1667EBCBE1}">
+              <a14:hiddenEffects xmlns:a14="http://schemas.microsoft.com/office/drawing/2010/main">
+                <a:effectLst>
+                  <a:outerShdw dist="35921" dir="2700000" algn="ctr" rotWithShape="0">
+                    <a:srgbClr val="808080"/>
+                  </a:outerShdw>
+                </a:effectLst>
+              </a14:hiddenEffects>
+            </a:ext>
+          </a:extLst>
+        </p:spPr>
+      </p:pic>
     </p:spTree>
   </p:cSld>
   <p:clrMapOvr>
     <a:masterClrMapping/>
   </p:clrMapOvr>
+  <p:timing>
+    <p:tnLst>
+      <p:par>
+        <p:cTn id="1" dur="indefinite" restart="never" nodeType="tmRoot">
+          <p:childTnLst>
+            <p:seq concurrent="1" nextAc="seek">
+              <p:cTn id="2" dur="indefinite" nodeType="mainSeq">
+                <p:childTnLst>
+                  <p:par>
+                    <p:cTn id="3" fill="hold" nodeType="clickPar">
+                      <p:stCondLst>
+                        <p:cond delay="indefinite"/>
+                      </p:stCondLst>
+                      <p:childTnLst>
+                        <p:par>
+                          <p:cTn id="4" fill="hold" nodeType="withGroup">
+                            <p:stCondLst>
+                              <p:cond delay="0"/>
+                            </p:stCondLst>
+                            <p:childTnLst>
+                              <p:par>
+                                <p:cTn id="5" presetID="10" presetClass="entr" presetSubtype="0" fill="hold" nodeType="clickEffect">
+                                  <p:stCondLst>
+                                    <p:cond delay="0"/>
+                                  </p:stCondLst>
+                                  <p:childTnLst>
+                                    <p:set>
+                                      <p:cBhvr>
+                                        <p:cTn id="6" dur="1" fill="hold">
+                                          <p:stCondLst>
+                                            <p:cond delay="0"/>
+                                          </p:stCondLst>
+                                        </p:cTn>
+                                        <p:tgtEl>
+                                          <p:spTgt spid="292867"/>
+                                        </p:tgtEl>
+                                        <p:attrNameLst>
+                                          <p:attrName>style.visibility</p:attrName>
+                                        </p:attrNameLst>
+                                      </p:cBhvr>
+                                      <p:to>
+                                        <p:strVal val="visible"/>
+                                      </p:to>
+                                    </p:set>
+                                    <p:animEffect transition="in" filter="fade">
+                                      <p:cBhvr>
+                                        <p:cTn id="7" dur="500"/>
+                                        <p:tgtEl>
+                                          <p:spTgt spid="292867"/>
+                                        </p:tgtEl>
+                                      </p:cBhvr>
+                                    </p:animEffect>
+                                  </p:childTnLst>
+                                </p:cTn>
+                              </p:par>
+                            </p:childTnLst>
+                          </p:cTn>
+                        </p:par>
+                      </p:childTnLst>
+                    </p:cTn>
+                  </p:par>
+                </p:childTnLst>
+              </p:cTn>
+              <p:prevCondLst>
+                <p:cond evt="onPrev" delay="0">
+                  <p:tgtEl>
+                    <p:sldTgt/>
+                  </p:tgtEl>
+                </p:cond>
+              </p:prevCondLst>
+              <p:nextCondLst>
+                <p:cond evt="onNext" delay="0">
+                  <p:tgtEl>
+                    <p:sldTgt/>
+                  </p:tgtEl>
+                </p:cond>
+              </p:nextCondLst>
+            </p:seq>
+          </p:childTnLst>
+        </p:cTn>
+      </p:par>
+    </p:tnLst>
+  </p:timing>
 </p:sld>
 </file>
 
